--- a/026_PolynomialRegression.pptx
+++ b/026_PolynomialRegression.pptx
@@ -6743,7 +6743,7 @@
                   <a:srgbClr val="FFFF00"/>
                 </a:solidFill>
               </a:rPr>
-              <a:t>Polynomial Regression</a:t>
+              <a:t>26 Polynomial Regression</a:t>
             </a:r>
             <a:endParaRPr lang="zh-TW" altLang="en-US" b="1" dirty="0">
               <a:solidFill>
@@ -7529,7 +7529,7 @@
                   <a:srgbClr val="FFFF00"/>
                 </a:solidFill>
               </a:rPr>
-              <a:t>Polynomial Regression</a:t>
+              <a:t>26 Polynomial Regression</a:t>
             </a:r>
             <a:endParaRPr lang="zh-TW" altLang="en-US" b="1" dirty="0">
               <a:solidFill>
@@ -7991,7 +7991,7 @@
                   <a:srgbClr val="FFFF00"/>
                 </a:solidFill>
               </a:rPr>
-              <a:t>Polynomial Regression</a:t>
+              <a:t>26 Polynomial Regression</a:t>
             </a:r>
             <a:endParaRPr lang="zh-TW" altLang="en-US" b="1" dirty="0">
               <a:solidFill>
